--- a/UNO_Poster.pptx
+++ b/UNO_Poster.pptx
@@ -2668,8 +2668,8 @@
         </p:blipFill>
         <p:spPr>
           <a:xfrm>
-            <a:off x="1555527" y="16576591"/>
-            <a:ext cx="3919928" cy="2457699"/>
+            <a:off x="1218895" y="16521411"/>
+            <a:ext cx="2775553" cy="1740204"/>
           </a:xfrm>
           <a:prstGeom prst="rect">
             <a:avLst/>
@@ -2691,8 +2691,8 @@
         </p:blipFill>
         <p:spPr>
           <a:xfrm>
-            <a:off x="5653831" y="16590080"/>
-            <a:ext cx="3726190" cy="2457699"/>
+            <a:off x="3995068" y="16476171"/>
+            <a:ext cx="2708290" cy="1786318"/>
           </a:xfrm>
           <a:prstGeom prst="rect">
             <a:avLst/>
@@ -2714,31 +2714,8 @@
         </p:blipFill>
         <p:spPr>
           <a:xfrm>
-            <a:off x="9445533" y="16590080"/>
-            <a:ext cx="2266377" cy="2457699"/>
-          </a:xfrm>
-          <a:prstGeom prst="rect">
-            <a:avLst/>
-          </a:prstGeom>
-        </p:spPr>
-      </p:pic>
-      <p:pic>
-        <p:nvPicPr>
-          <p:cNvPr id="7" name="Picture 6"/>
-          <p:cNvPicPr>
-            <a:picLocks noChangeAspect="1"/>
-          </p:cNvPicPr>
-          <p:nvPr/>
-        </p:nvPicPr>
-        <p:blipFill rotWithShape="1">
-          <a:blip r:embed="rId8"/>
-          <a:srcRect l="11240" t="18568" r="10739" b="37432"/>
-          <a:stretch/>
-        </p:blipFill>
-        <p:spPr>
-          <a:xfrm>
-            <a:off x="12068663" y="16590080"/>
-            <a:ext cx="7334015" cy="2444211"/>
+            <a:off x="6703358" y="16485895"/>
+            <a:ext cx="1656184" cy="1795994"/>
           </a:xfrm>
           <a:prstGeom prst="rect">
             <a:avLst/>
@@ -2760,7 +2737,7 @@
         <p:spPr>
           <a:xfrm>
             <a:off x="980092" y="20066712"/>
-            <a:ext cx="9351680" cy="8427948"/>
+            <a:ext cx="9351680" cy="7466146"/>
           </a:xfrm>
           <a:prstGeom prst="rect">
             <a:avLst/>
@@ -2906,29 +2883,6 @@
                 <a:latin typeface="Verdana" panose="020B0604030504040204"/>
               </a:rPr>
               <a:t>As we expected, internet usage for entertainments sake is less frequent with people working full-time. When talking about entertainment, one can think of activities such as playing games or downloading and streaming movies, music or tv-shows.</a:t>
-            </a:r>
-          </a:p>
-          <a:p>
-            <a:pPr>
-              <a:lnSpc>
-                <a:spcPts val="2545"/>
-              </a:lnSpc>
-            </a:pPr>
-            <a:endParaRPr lang="en-GB" sz="1800" dirty="0">
-              <a:latin typeface="Verdana" panose="020B0604030504040204"/>
-            </a:endParaRPr>
-          </a:p>
-          <a:p>
-            <a:pPr>
-              <a:lnSpc>
-                <a:spcPts val="2545"/>
-              </a:lnSpc>
-            </a:pPr>
-            <a:r>
-              <a:rPr lang="en-GB" sz="1800" dirty="0">
-                <a:latin typeface="Verdana" panose="020B0604030504040204"/>
-              </a:rPr>
-              <a:t>As can be seen in the graph to the right, PC internet usage is plummeting, while smartphones take the stage.</a:t>
             </a:r>
           </a:p>
           <a:p>
@@ -3023,8 +2977,8 @@
         </p:nvSpPr>
         <p:spPr>
           <a:xfrm>
-            <a:off x="11340897" y="20276765"/>
-            <a:ext cx="8793747" cy="1938992"/>
+            <a:off x="11323159" y="16443447"/>
+            <a:ext cx="8793747" cy="4431983"/>
           </a:xfrm>
           <a:prstGeom prst="rect">
             <a:avLst/>
@@ -3045,7 +2999,7 @@
                 <a:latin typeface="Verdana" panose="020B0604030504040204" pitchFamily="34" charset="0"/>
                 <a:ea typeface="Verdana" panose="020B0604030504040204" pitchFamily="34" charset="0"/>
               </a:rPr>
-              <a:t>Lessons learned</a:t>
+              <a:t>Implementation</a:t>
             </a:r>
           </a:p>
           <a:p>
@@ -3063,7 +3017,275 @@
                 <a:latin typeface="Verdana" panose="020B0604030504040204" pitchFamily="34" charset="0"/>
                 <a:ea typeface="Verdana" panose="020B0604030504040204" pitchFamily="34" charset="0"/>
               </a:rPr>
-              <a:t>We have learned that it is very important to understand and use classes correctly, and not to put all code in one file. There is an art to keeping your code clear not only to yourself, but also to the people who will read it later. </a:t>
+              <a:t>The program consists of a main file, the </a:t>
+            </a:r>
+            <a:r>
+              <a:rPr lang="en-GB" sz="1800" i="1" dirty="0" err="1">
+                <a:latin typeface="Verdana" panose="020B0604030504040204" pitchFamily="34" charset="0"/>
+                <a:ea typeface="Verdana" panose="020B0604030504040204" pitchFamily="34" charset="0"/>
+              </a:rPr>
+              <a:t>BarApp</a:t>
+            </a:r>
+            <a:r>
+              <a:rPr lang="en-GB" sz="1800" dirty="0">
+                <a:latin typeface="Verdana" panose="020B0604030504040204" pitchFamily="34" charset="0"/>
+                <a:ea typeface="Verdana" panose="020B0604030504040204" pitchFamily="34" charset="0"/>
+              </a:rPr>
+              <a:t> and </a:t>
+            </a:r>
+            <a:r>
+              <a:rPr lang="en-GB" sz="1800" i="1" dirty="0" err="1">
+                <a:latin typeface="Verdana" panose="020B0604030504040204" pitchFamily="34" charset="0"/>
+                <a:ea typeface="Verdana" panose="020B0604030504040204" pitchFamily="34" charset="0"/>
+              </a:rPr>
+              <a:t>LineApp</a:t>
+            </a:r>
+            <a:r>
+              <a:rPr lang="en-GB" sz="1800" dirty="0">
+                <a:latin typeface="Verdana" panose="020B0604030504040204" pitchFamily="34" charset="0"/>
+                <a:ea typeface="Verdana" panose="020B0604030504040204" pitchFamily="34" charset="0"/>
+              </a:rPr>
+              <a:t> classes, and the </a:t>
+            </a:r>
+            <a:r>
+              <a:rPr lang="en-GB" sz="1800" i="1" dirty="0" err="1">
+                <a:latin typeface="Verdana" panose="020B0604030504040204" pitchFamily="34" charset="0"/>
+                <a:ea typeface="Verdana" panose="020B0604030504040204" pitchFamily="34" charset="0"/>
+              </a:rPr>
+              <a:t>QuestionApp</a:t>
+            </a:r>
+            <a:r>
+              <a:rPr lang="en-GB" sz="1800" dirty="0">
+                <a:latin typeface="Verdana" panose="020B0604030504040204" pitchFamily="34" charset="0"/>
+                <a:ea typeface="Verdana" panose="020B0604030504040204" pitchFamily="34" charset="0"/>
+              </a:rPr>
+              <a:t>, </a:t>
+            </a:r>
+            <a:r>
+              <a:rPr lang="en-GB" sz="1800" i="1" dirty="0" err="1">
+                <a:latin typeface="Verdana" panose="020B0604030504040204" pitchFamily="34" charset="0"/>
+                <a:ea typeface="Verdana" panose="020B0604030504040204" pitchFamily="34" charset="0"/>
+              </a:rPr>
+              <a:t>CategoryChoiceApp</a:t>
+            </a:r>
+            <a:r>
+              <a:rPr lang="en-GB" sz="1800" dirty="0">
+                <a:latin typeface="Verdana" panose="020B0604030504040204" pitchFamily="34" charset="0"/>
+                <a:ea typeface="Verdana" panose="020B0604030504040204" pitchFamily="34" charset="0"/>
+              </a:rPr>
+              <a:t>, </a:t>
+            </a:r>
+            <a:r>
+              <a:rPr lang="en-GB" sz="1800" i="1" dirty="0" err="1">
+                <a:latin typeface="Verdana" panose="020B0604030504040204" pitchFamily="34" charset="0"/>
+                <a:ea typeface="Verdana" panose="020B0604030504040204" pitchFamily="34" charset="0"/>
+              </a:rPr>
+              <a:t>CategoryCheckApp</a:t>
+            </a:r>
+            <a:r>
+              <a:rPr lang="en-GB" sz="1800" dirty="0">
+                <a:latin typeface="Verdana" panose="020B0604030504040204" pitchFamily="34" charset="0"/>
+                <a:ea typeface="Verdana" panose="020B0604030504040204" pitchFamily="34" charset="0"/>
+              </a:rPr>
+              <a:t> and </a:t>
+            </a:r>
+            <a:r>
+              <a:rPr lang="en-GB" sz="1800" i="1" dirty="0" err="1">
+                <a:latin typeface="Verdana" panose="020B0604030504040204" pitchFamily="34" charset="0"/>
+                <a:ea typeface="Verdana" panose="020B0604030504040204" pitchFamily="34" charset="0"/>
+              </a:rPr>
+              <a:t>SocietyChoiceApp</a:t>
+            </a:r>
+            <a:r>
+              <a:rPr lang="en-GB" sz="1800" dirty="0">
+                <a:latin typeface="Verdana" panose="020B0604030504040204" pitchFamily="34" charset="0"/>
+                <a:ea typeface="Verdana" panose="020B0604030504040204" pitchFamily="34" charset="0"/>
+              </a:rPr>
+              <a:t> classes. </a:t>
+            </a:r>
+          </a:p>
+          <a:p>
+            <a:endParaRPr lang="en-GB" sz="1800" dirty="0">
+              <a:latin typeface="Verdana" panose="020B0604030504040204" pitchFamily="34" charset="0"/>
+              <a:ea typeface="Verdana" panose="020B0604030504040204" pitchFamily="34" charset="0"/>
+            </a:endParaRPr>
+          </a:p>
+          <a:p>
+            <a:r>
+              <a:rPr lang="en-GB" sz="1800" dirty="0">
+                <a:latin typeface="Verdana" panose="020B0604030504040204" pitchFamily="34" charset="0"/>
+                <a:ea typeface="Verdana" panose="020B0604030504040204" pitchFamily="34" charset="0"/>
+              </a:rPr>
+              <a:t>The main file loads in the data, processes it and calls the right classes for opening windows for user interfaces and/or graphs. It uses the following libraries: </a:t>
+            </a:r>
+            <a:r>
+              <a:rPr lang="en-GB" sz="1800" dirty="0" err="1">
+                <a:latin typeface="Verdana" panose="020B0604030504040204" pitchFamily="34" charset="0"/>
+                <a:ea typeface="Verdana" panose="020B0604030504040204" pitchFamily="34" charset="0"/>
+              </a:rPr>
+              <a:t>Tkinter</a:t>
+            </a:r>
+            <a:r>
+              <a:rPr lang="en-GB" sz="1800" dirty="0">
+                <a:latin typeface="Verdana" panose="020B0604030504040204" pitchFamily="34" charset="0"/>
+                <a:ea typeface="Verdana" panose="020B0604030504040204" pitchFamily="34" charset="0"/>
+              </a:rPr>
+              <a:t>, Pandas, Sys, </a:t>
+            </a:r>
+            <a:r>
+              <a:rPr lang="en-GB" sz="1800" dirty="0" err="1">
+                <a:latin typeface="Verdana" panose="020B0604030504040204" pitchFamily="34" charset="0"/>
+                <a:ea typeface="Verdana" panose="020B0604030504040204" pitchFamily="34" charset="0"/>
+              </a:rPr>
+              <a:t>Numpy</a:t>
+            </a:r>
+            <a:r>
+              <a:rPr lang="en-GB" sz="1800" dirty="0">
+                <a:latin typeface="Verdana" panose="020B0604030504040204" pitchFamily="34" charset="0"/>
+                <a:ea typeface="Verdana" panose="020B0604030504040204" pitchFamily="34" charset="0"/>
+              </a:rPr>
+              <a:t>, and Matplotlib.</a:t>
+            </a:r>
+          </a:p>
+          <a:p>
+            <a:endParaRPr lang="en-GB" sz="1800" dirty="0">
+              <a:latin typeface="Verdana" panose="020B0604030504040204" pitchFamily="34" charset="0"/>
+              <a:ea typeface="Verdana" panose="020B0604030504040204" pitchFamily="34" charset="0"/>
+            </a:endParaRPr>
+          </a:p>
+          <a:p>
+            <a:r>
+              <a:rPr lang="en-GB" sz="1800" dirty="0">
+                <a:latin typeface="Verdana" panose="020B0604030504040204" pitchFamily="34" charset="0"/>
+                <a:ea typeface="Verdana" panose="020B0604030504040204" pitchFamily="34" charset="0"/>
+              </a:rPr>
+              <a:t>The </a:t>
+            </a:r>
+            <a:r>
+              <a:rPr lang="en-GB" sz="1800" i="1" dirty="0" err="1">
+                <a:latin typeface="Verdana" panose="020B0604030504040204" pitchFamily="34" charset="0"/>
+                <a:ea typeface="Verdana" panose="020B0604030504040204" pitchFamily="34" charset="0"/>
+              </a:rPr>
+              <a:t>BarApp</a:t>
+            </a:r>
+            <a:r>
+              <a:rPr lang="en-GB" sz="1800" dirty="0">
+                <a:latin typeface="Verdana" panose="020B0604030504040204" pitchFamily="34" charset="0"/>
+                <a:ea typeface="Verdana" panose="020B0604030504040204" pitchFamily="34" charset="0"/>
+              </a:rPr>
+              <a:t> and </a:t>
+            </a:r>
+            <a:r>
+              <a:rPr lang="en-GB" sz="1800" i="1" dirty="0" err="1">
+                <a:latin typeface="Verdana" panose="020B0604030504040204" pitchFamily="34" charset="0"/>
+                <a:ea typeface="Verdana" panose="020B0604030504040204" pitchFamily="34" charset="0"/>
+              </a:rPr>
+              <a:t>LineApp</a:t>
+            </a:r>
+            <a:r>
+              <a:rPr lang="en-GB" sz="1800" dirty="0">
+                <a:latin typeface="Verdana" panose="020B0604030504040204" pitchFamily="34" charset="0"/>
+                <a:ea typeface="Verdana" panose="020B0604030504040204" pitchFamily="34" charset="0"/>
+              </a:rPr>
+              <a:t> classes ask for data and plot a </a:t>
+            </a:r>
+            <a:r>
+              <a:rPr lang="en-GB" sz="1800" dirty="0" err="1">
+                <a:latin typeface="Verdana" panose="020B0604030504040204" pitchFamily="34" charset="0"/>
+                <a:ea typeface="Verdana" panose="020B0604030504040204" pitchFamily="34" charset="0"/>
+              </a:rPr>
+              <a:t>barplot</a:t>
+            </a:r>
+            <a:r>
+              <a:rPr lang="en-GB" sz="1800" dirty="0">
+                <a:latin typeface="Verdana" panose="020B0604030504040204" pitchFamily="34" charset="0"/>
+                <a:ea typeface="Verdana" panose="020B0604030504040204" pitchFamily="34" charset="0"/>
+              </a:rPr>
+              <a:t> and </a:t>
+            </a:r>
+            <a:r>
+              <a:rPr lang="en-GB" sz="1800" dirty="0" err="1">
+                <a:latin typeface="Verdana" panose="020B0604030504040204" pitchFamily="34" charset="0"/>
+                <a:ea typeface="Verdana" panose="020B0604030504040204" pitchFamily="34" charset="0"/>
+              </a:rPr>
+              <a:t>lineplot</a:t>
+            </a:r>
+            <a:r>
+              <a:rPr lang="en-GB" sz="1800" dirty="0">
+                <a:latin typeface="Verdana" panose="020B0604030504040204" pitchFamily="34" charset="0"/>
+                <a:ea typeface="Verdana" panose="020B0604030504040204" pitchFamily="34" charset="0"/>
+              </a:rPr>
+              <a:t> </a:t>
+            </a:r>
+            <a:r>
+              <a:rPr lang="en-GB" sz="1800" dirty="0" err="1">
+                <a:latin typeface="Verdana" panose="020B0604030504040204" pitchFamily="34" charset="0"/>
+                <a:ea typeface="Verdana" panose="020B0604030504040204" pitchFamily="34" charset="0"/>
+              </a:rPr>
+              <a:t>respectively.The</a:t>
+            </a:r>
+            <a:r>
+              <a:rPr lang="en-GB" sz="1800" dirty="0">
+                <a:latin typeface="Verdana" panose="020B0604030504040204" pitchFamily="34" charset="0"/>
+                <a:ea typeface="Verdana" panose="020B0604030504040204" pitchFamily="34" charset="0"/>
+              </a:rPr>
+              <a:t> </a:t>
+            </a:r>
+            <a:r>
+              <a:rPr lang="en-GB" sz="1800" i="1" dirty="0" err="1">
+                <a:latin typeface="Verdana" panose="020B0604030504040204" pitchFamily="34" charset="0"/>
+                <a:ea typeface="Verdana" panose="020B0604030504040204" pitchFamily="34" charset="0"/>
+              </a:rPr>
+              <a:t>QuestionApp</a:t>
+            </a:r>
+            <a:r>
+              <a:rPr lang="en-GB" sz="1800" dirty="0">
+                <a:latin typeface="Verdana" panose="020B0604030504040204" pitchFamily="34" charset="0"/>
+                <a:ea typeface="Verdana" panose="020B0604030504040204" pitchFamily="34" charset="0"/>
+              </a:rPr>
+              <a:t>, </a:t>
+            </a:r>
+            <a:r>
+              <a:rPr lang="en-GB" sz="1800" i="1" dirty="0" err="1">
+                <a:latin typeface="Verdana" panose="020B0604030504040204" pitchFamily="34" charset="0"/>
+                <a:ea typeface="Verdana" panose="020B0604030504040204" pitchFamily="34" charset="0"/>
+              </a:rPr>
+              <a:t>CategoryChoiceApp</a:t>
+            </a:r>
+            <a:r>
+              <a:rPr lang="en-GB" sz="1800" dirty="0">
+                <a:latin typeface="Verdana" panose="020B0604030504040204" pitchFamily="34" charset="0"/>
+                <a:ea typeface="Verdana" panose="020B0604030504040204" pitchFamily="34" charset="0"/>
+              </a:rPr>
+              <a:t>, </a:t>
+            </a:r>
+            <a:r>
+              <a:rPr lang="en-GB" sz="1800" i="1" dirty="0" err="1">
+                <a:latin typeface="Verdana" panose="020B0604030504040204" pitchFamily="34" charset="0"/>
+                <a:ea typeface="Verdana" panose="020B0604030504040204" pitchFamily="34" charset="0"/>
+              </a:rPr>
+              <a:t>CategoryCheckApp</a:t>
+            </a:r>
+            <a:r>
+              <a:rPr lang="en-GB" sz="1800" dirty="0">
+                <a:latin typeface="Verdana" panose="020B0604030504040204" pitchFamily="34" charset="0"/>
+                <a:ea typeface="Verdana" panose="020B0604030504040204" pitchFamily="34" charset="0"/>
+              </a:rPr>
+              <a:t>, and </a:t>
+            </a:r>
+            <a:r>
+              <a:rPr lang="en-GB" sz="1800" i="1" dirty="0" err="1">
+                <a:latin typeface="Verdana" panose="020B0604030504040204" pitchFamily="34" charset="0"/>
+                <a:ea typeface="Verdana" panose="020B0604030504040204" pitchFamily="34" charset="0"/>
+              </a:rPr>
+              <a:t>SocietyChoiceApp</a:t>
+            </a:r>
+            <a:r>
+              <a:rPr lang="en-GB" sz="1800" dirty="0">
+                <a:latin typeface="Verdana" panose="020B0604030504040204" pitchFamily="34" charset="0"/>
+                <a:ea typeface="Verdana" panose="020B0604030504040204" pitchFamily="34" charset="0"/>
+              </a:rPr>
+              <a:t> classes open up windows with buttons which enable the user to choose whatever selection they want to make.</a:t>
             </a:r>
             <a:endParaRPr lang="en-GB" sz="2400" dirty="0">
               <a:latin typeface="Verdana" panose="020B0604030504040204" pitchFamily="34" charset="0"/>
@@ -3086,8 +3308,8 @@
         </p:nvSpPr>
         <p:spPr>
           <a:xfrm>
-            <a:off x="11340897" y="22914470"/>
-            <a:ext cx="8793747" cy="1015663"/>
+            <a:off x="11323159" y="21456993"/>
+            <a:ext cx="8793747" cy="4985980"/>
           </a:xfrm>
           <a:prstGeom prst="rect">
             <a:avLst/>
@@ -3108,10 +3330,56 @@
                 <a:latin typeface="Verdana" panose="020B0604030504040204" pitchFamily="34" charset="0"/>
                 <a:ea typeface="Verdana" panose="020B0604030504040204" pitchFamily="34" charset="0"/>
               </a:rPr>
-              <a:t>Follow-up questions.</a:t>
-            </a:r>
-          </a:p>
-          <a:p>
+              <a:t>Follow-up questions</a:t>
+            </a:r>
+          </a:p>
+          <a:p>
+            <a:endParaRPr lang="en-GB" sz="2400" b="1" dirty="0">
+              <a:solidFill>
+                <a:schemeClr val="tx2"/>
+              </a:solidFill>
+              <a:latin typeface="Verdana" panose="020B0604030504040204" pitchFamily="34" charset="0"/>
+              <a:ea typeface="Verdana" panose="020B0604030504040204" pitchFamily="34" charset="0"/>
+            </a:endParaRPr>
+          </a:p>
+          <a:p>
+            <a:r>
+              <a:rPr lang="en-GB" sz="1800" dirty="0">
+                <a:latin typeface="Verdana" panose="020B0604030504040204" pitchFamily="34" charset="0"/>
+                <a:ea typeface="Verdana" panose="020B0604030504040204" pitchFamily="34" charset="0"/>
+              </a:rPr>
+              <a:t>The thing that caught our attention when looking at the results was the usage of social media throughout different demographics in Dutch society. We think it could be very interesting to follow these trends, especially concerning education’s  and employment’s impact on the usage of social media. </a:t>
+            </a:r>
+          </a:p>
+          <a:p>
+            <a:endParaRPr lang="en-GB" sz="1800" dirty="0">
+              <a:latin typeface="Verdana" panose="020B0604030504040204" pitchFamily="34" charset="0"/>
+              <a:ea typeface="Verdana" panose="020B0604030504040204" pitchFamily="34" charset="0"/>
+            </a:endParaRPr>
+          </a:p>
+          <a:p>
+            <a:r>
+              <a:rPr lang="en-GB" sz="1800" dirty="0">
+                <a:latin typeface="Verdana" panose="020B0604030504040204" pitchFamily="34" charset="0"/>
+                <a:ea typeface="Verdana" panose="020B0604030504040204" pitchFamily="34" charset="0"/>
+              </a:rPr>
+              <a:t>A common misconception about internet usage is that younger generations use the internet more frequently. This is not true for many categories, as clearly visible in the graphs. It could be interesting to try to formally disprove these misconceptions using the data we used. </a:t>
+            </a:r>
+          </a:p>
+          <a:p>
+            <a:endParaRPr lang="en-GB" sz="1800" dirty="0">
+              <a:latin typeface="Verdana" panose="020B0604030504040204" pitchFamily="34" charset="0"/>
+              <a:ea typeface="Verdana" panose="020B0604030504040204" pitchFamily="34" charset="0"/>
+            </a:endParaRPr>
+          </a:p>
+          <a:p>
+            <a:r>
+              <a:rPr lang="en-GB" sz="1800" dirty="0">
+                <a:latin typeface="Verdana" panose="020B0604030504040204" pitchFamily="34" charset="0"/>
+                <a:ea typeface="Verdana" panose="020B0604030504040204" pitchFamily="34" charset="0"/>
+              </a:rPr>
+              <a:t>Furthermore, changes in data throughout the coming years could be monitored using our program, as long as the data keeps using the same structure. </a:t>
+            </a:r>
             <a:endParaRPr lang="en-GB" sz="1800" b="1" dirty="0">
               <a:latin typeface="Verdana" panose="020B0604030504040204" pitchFamily="34" charset="0"/>
               <a:ea typeface="Verdana" panose="020B0604030504040204" pitchFamily="34" charset="0"/>
@@ -3119,6 +3387,420 @@
           </a:p>
           <a:p>
             <a:endParaRPr lang="en-GB" sz="1800" dirty="0">
+              <a:latin typeface="Verdana" panose="020B0604030504040204" pitchFamily="34" charset="0"/>
+              <a:ea typeface="Verdana" panose="020B0604030504040204" pitchFamily="34" charset="0"/>
+            </a:endParaRPr>
+          </a:p>
+        </p:txBody>
+      </p:sp>
+      <p:sp>
+        <p:nvSpPr>
+          <p:cNvPr id="20" name="Tekstvak 2">
+            <a:extLst>
+              <a:ext uri="{FF2B5EF4-FFF2-40B4-BE49-F238E27FC236}">
+                <a16:creationId xmlns:a16="http://schemas.microsoft.com/office/drawing/2014/main" id="{A3728D71-5EA2-4DB9-821C-5A7851FA097C}"/>
+              </a:ext>
+            </a:extLst>
+          </p:cNvPr>
+          <p:cNvSpPr txBox="1"/>
+          <p:nvPr/>
+        </p:nvSpPr>
+        <p:spPr>
+          <a:xfrm>
+            <a:off x="1218895" y="18365750"/>
+            <a:ext cx="7513367" cy="1107996"/>
+          </a:xfrm>
+          <a:prstGeom prst="rect">
+            <a:avLst/>
+          </a:prstGeom>
+          <a:noFill/>
+        </p:spPr>
+        <p:txBody>
+          <a:bodyPr wrap="square" rtlCol="0">
+            <a:spAutoFit/>
+          </a:bodyPr>
+          <a:lstStyle/>
+          <a:p>
+            <a:r>
+              <a:rPr lang="nl-NL" sz="1800" b="1" dirty="0" err="1">
+                <a:solidFill>
+                  <a:schemeClr val="tx2"/>
+                </a:solidFill>
+                <a:latin typeface="Verdana" panose="020B0604030504040204" pitchFamily="34" charset="0"/>
+                <a:ea typeface="Verdana" panose="020B0604030504040204" pitchFamily="34" charset="0"/>
+              </a:rPr>
+              <a:t>Figure</a:t>
+            </a:r>
+            <a:r>
+              <a:rPr lang="nl-NL" sz="1800" b="1" dirty="0">
+                <a:solidFill>
+                  <a:schemeClr val="tx2"/>
+                </a:solidFill>
+                <a:latin typeface="Verdana" panose="020B0604030504040204" pitchFamily="34" charset="0"/>
+                <a:ea typeface="Verdana" panose="020B0604030504040204" pitchFamily="34" charset="0"/>
+              </a:rPr>
+              <a:t> 1:</a:t>
+            </a:r>
+          </a:p>
+          <a:p>
+            <a:r>
+              <a:rPr lang="nl-NL" sz="1600" dirty="0">
+                <a:solidFill>
+                  <a:schemeClr val="tx1">
+                    <a:lumMod val="50000"/>
+                    <a:lumOff val="50000"/>
+                  </a:schemeClr>
+                </a:solidFill>
+                <a:latin typeface="Verdana" panose="020B0604030504040204" pitchFamily="34" charset="0"/>
+                <a:ea typeface="Verdana" panose="020B0604030504040204" pitchFamily="34" charset="0"/>
+              </a:rPr>
+              <a:t>Screenshots of </a:t>
+            </a:r>
+            <a:r>
+              <a:rPr lang="nl-NL" sz="1600" dirty="0" err="1">
+                <a:solidFill>
+                  <a:schemeClr val="tx1">
+                    <a:lumMod val="50000"/>
+                    <a:lumOff val="50000"/>
+                  </a:schemeClr>
+                </a:solidFill>
+                <a:latin typeface="Verdana" panose="020B0604030504040204" pitchFamily="34" charset="0"/>
+                <a:ea typeface="Verdana" panose="020B0604030504040204" pitchFamily="34" charset="0"/>
+              </a:rPr>
+              <a:t>three</a:t>
+            </a:r>
+            <a:r>
+              <a:rPr lang="nl-NL" sz="1600" dirty="0">
+                <a:solidFill>
+                  <a:schemeClr val="tx1">
+                    <a:lumMod val="50000"/>
+                    <a:lumOff val="50000"/>
+                  </a:schemeClr>
+                </a:solidFill>
+                <a:latin typeface="Verdana" panose="020B0604030504040204" pitchFamily="34" charset="0"/>
+                <a:ea typeface="Verdana" panose="020B0604030504040204" pitchFamily="34" charset="0"/>
+              </a:rPr>
+              <a:t> of </a:t>
+            </a:r>
+            <a:r>
+              <a:rPr lang="nl-NL" sz="1600" dirty="0" err="1">
+                <a:solidFill>
+                  <a:schemeClr val="tx1">
+                    <a:lumMod val="50000"/>
+                    <a:lumOff val="50000"/>
+                  </a:schemeClr>
+                </a:solidFill>
+                <a:latin typeface="Verdana" panose="020B0604030504040204" pitchFamily="34" charset="0"/>
+                <a:ea typeface="Verdana" panose="020B0604030504040204" pitchFamily="34" charset="0"/>
+              </a:rPr>
+              <a:t>the</a:t>
+            </a:r>
+            <a:r>
+              <a:rPr lang="nl-NL" sz="1600" dirty="0">
+                <a:solidFill>
+                  <a:schemeClr val="tx1">
+                    <a:lumMod val="50000"/>
+                    <a:lumOff val="50000"/>
+                  </a:schemeClr>
+                </a:solidFill>
+                <a:latin typeface="Verdana" panose="020B0604030504040204" pitchFamily="34" charset="0"/>
+                <a:ea typeface="Verdana" panose="020B0604030504040204" pitchFamily="34" charset="0"/>
+              </a:rPr>
+              <a:t> interfaces </a:t>
+            </a:r>
+            <a:r>
+              <a:rPr lang="nl-NL" sz="1600" dirty="0" err="1">
+                <a:solidFill>
+                  <a:schemeClr val="tx1">
+                    <a:lumMod val="50000"/>
+                    <a:lumOff val="50000"/>
+                  </a:schemeClr>
+                </a:solidFill>
+                <a:latin typeface="Verdana" panose="020B0604030504040204" pitchFamily="34" charset="0"/>
+                <a:ea typeface="Verdana" panose="020B0604030504040204" pitchFamily="34" charset="0"/>
+              </a:rPr>
+              <a:t>used</a:t>
+            </a:r>
+            <a:r>
+              <a:rPr lang="nl-NL" sz="1600" dirty="0">
+                <a:solidFill>
+                  <a:schemeClr val="tx1">
+                    <a:lumMod val="50000"/>
+                    <a:lumOff val="50000"/>
+                  </a:schemeClr>
+                </a:solidFill>
+                <a:latin typeface="Verdana" panose="020B0604030504040204" pitchFamily="34" charset="0"/>
+                <a:ea typeface="Verdana" panose="020B0604030504040204" pitchFamily="34" charset="0"/>
+              </a:rPr>
+              <a:t> in </a:t>
+            </a:r>
+            <a:r>
+              <a:rPr lang="nl-NL" sz="1600" dirty="0" err="1">
+                <a:solidFill>
+                  <a:schemeClr val="tx1">
+                    <a:lumMod val="50000"/>
+                    <a:lumOff val="50000"/>
+                  </a:schemeClr>
+                </a:solidFill>
+                <a:latin typeface="Verdana" panose="020B0604030504040204" pitchFamily="34" charset="0"/>
+                <a:ea typeface="Verdana" panose="020B0604030504040204" pitchFamily="34" charset="0"/>
+              </a:rPr>
+              <a:t>the</a:t>
+            </a:r>
+            <a:r>
+              <a:rPr lang="nl-NL" sz="1600" dirty="0">
+                <a:solidFill>
+                  <a:schemeClr val="tx1">
+                    <a:lumMod val="50000"/>
+                    <a:lumOff val="50000"/>
+                  </a:schemeClr>
+                </a:solidFill>
+                <a:latin typeface="Verdana" panose="020B0604030504040204" pitchFamily="34" charset="0"/>
+                <a:ea typeface="Verdana" panose="020B0604030504040204" pitchFamily="34" charset="0"/>
+              </a:rPr>
+              <a:t> program. </a:t>
+            </a:r>
+            <a:r>
+              <a:rPr lang="nl-NL" sz="1600" dirty="0" err="1">
+                <a:solidFill>
+                  <a:schemeClr val="tx1">
+                    <a:lumMod val="50000"/>
+                    <a:lumOff val="50000"/>
+                  </a:schemeClr>
+                </a:solidFill>
+                <a:latin typeface="Verdana" panose="020B0604030504040204" pitchFamily="34" charset="0"/>
+                <a:ea typeface="Verdana" panose="020B0604030504040204" pitchFamily="34" charset="0"/>
+              </a:rPr>
+              <a:t>From</a:t>
+            </a:r>
+            <a:r>
+              <a:rPr lang="nl-NL" sz="1600" dirty="0">
+                <a:solidFill>
+                  <a:schemeClr val="tx1">
+                    <a:lumMod val="50000"/>
+                    <a:lumOff val="50000"/>
+                  </a:schemeClr>
+                </a:solidFill>
+                <a:latin typeface="Verdana" panose="020B0604030504040204" pitchFamily="34" charset="0"/>
+                <a:ea typeface="Verdana" panose="020B0604030504040204" pitchFamily="34" charset="0"/>
+              </a:rPr>
+              <a:t> </a:t>
+            </a:r>
+            <a:r>
+              <a:rPr lang="nl-NL" sz="1600" dirty="0" err="1">
+                <a:solidFill>
+                  <a:schemeClr val="tx1">
+                    <a:lumMod val="50000"/>
+                    <a:lumOff val="50000"/>
+                  </a:schemeClr>
+                </a:solidFill>
+                <a:latin typeface="Verdana" panose="020B0604030504040204" pitchFamily="34" charset="0"/>
+                <a:ea typeface="Verdana" panose="020B0604030504040204" pitchFamily="34" charset="0"/>
+              </a:rPr>
+              <a:t>left</a:t>
+            </a:r>
+            <a:r>
+              <a:rPr lang="nl-NL" sz="1600" dirty="0">
+                <a:solidFill>
+                  <a:schemeClr val="tx1">
+                    <a:lumMod val="50000"/>
+                    <a:lumOff val="50000"/>
+                  </a:schemeClr>
+                </a:solidFill>
+                <a:latin typeface="Verdana" panose="020B0604030504040204" pitchFamily="34" charset="0"/>
+                <a:ea typeface="Verdana" panose="020B0604030504040204" pitchFamily="34" charset="0"/>
+              </a:rPr>
+              <a:t> </a:t>
+            </a:r>
+            <a:r>
+              <a:rPr lang="nl-NL" sz="1600" dirty="0" err="1">
+                <a:solidFill>
+                  <a:schemeClr val="tx1">
+                    <a:lumMod val="50000"/>
+                    <a:lumOff val="50000"/>
+                  </a:schemeClr>
+                </a:solidFill>
+                <a:latin typeface="Verdana" panose="020B0604030504040204" pitchFamily="34" charset="0"/>
+                <a:ea typeface="Verdana" panose="020B0604030504040204" pitchFamily="34" charset="0"/>
+              </a:rPr>
+              <a:t>to</a:t>
+            </a:r>
+            <a:r>
+              <a:rPr lang="nl-NL" sz="1600" dirty="0">
+                <a:solidFill>
+                  <a:schemeClr val="tx1">
+                    <a:lumMod val="50000"/>
+                    <a:lumOff val="50000"/>
+                  </a:schemeClr>
+                </a:solidFill>
+                <a:latin typeface="Verdana" panose="020B0604030504040204" pitchFamily="34" charset="0"/>
+                <a:ea typeface="Verdana" panose="020B0604030504040204" pitchFamily="34" charset="0"/>
+              </a:rPr>
+              <a:t> right: </a:t>
+            </a:r>
+            <a:r>
+              <a:rPr lang="nl-NL" sz="1600" dirty="0" err="1">
+                <a:solidFill>
+                  <a:schemeClr val="tx1">
+                    <a:lumMod val="50000"/>
+                    <a:lumOff val="50000"/>
+                  </a:schemeClr>
+                </a:solidFill>
+                <a:latin typeface="Verdana" panose="020B0604030504040204" pitchFamily="34" charset="0"/>
+                <a:ea typeface="Verdana" panose="020B0604030504040204" pitchFamily="34" charset="0"/>
+              </a:rPr>
+              <a:t>choosing</a:t>
+            </a:r>
+            <a:r>
+              <a:rPr lang="nl-NL" sz="1600" dirty="0">
+                <a:solidFill>
+                  <a:schemeClr val="tx1">
+                    <a:lumMod val="50000"/>
+                    <a:lumOff val="50000"/>
+                  </a:schemeClr>
+                </a:solidFill>
+                <a:latin typeface="Verdana" panose="020B0604030504040204" pitchFamily="34" charset="0"/>
+                <a:ea typeface="Verdana" panose="020B0604030504040204" pitchFamily="34" charset="0"/>
+              </a:rPr>
+              <a:t> a subject, </a:t>
+            </a:r>
+            <a:r>
+              <a:rPr lang="nl-NL" sz="1600" dirty="0" err="1">
+                <a:solidFill>
+                  <a:schemeClr val="tx1">
+                    <a:lumMod val="50000"/>
+                    <a:lumOff val="50000"/>
+                  </a:schemeClr>
+                </a:solidFill>
+                <a:latin typeface="Verdana" panose="020B0604030504040204" pitchFamily="34" charset="0"/>
+                <a:ea typeface="Verdana" panose="020B0604030504040204" pitchFamily="34" charset="0"/>
+              </a:rPr>
+              <a:t>choosing</a:t>
+            </a:r>
+            <a:r>
+              <a:rPr lang="nl-NL" sz="1600" dirty="0">
+                <a:solidFill>
+                  <a:schemeClr val="tx1">
+                    <a:lumMod val="50000"/>
+                    <a:lumOff val="50000"/>
+                  </a:schemeClr>
+                </a:solidFill>
+                <a:latin typeface="Verdana" panose="020B0604030504040204" pitchFamily="34" charset="0"/>
+                <a:ea typeface="Verdana" panose="020B0604030504040204" pitchFamily="34" charset="0"/>
+              </a:rPr>
+              <a:t> a </a:t>
+            </a:r>
+            <a:r>
+              <a:rPr lang="nl-NL" sz="1600" dirty="0" err="1">
+                <a:solidFill>
+                  <a:schemeClr val="tx1">
+                    <a:lumMod val="50000"/>
+                    <a:lumOff val="50000"/>
+                  </a:schemeClr>
+                </a:solidFill>
+                <a:latin typeface="Verdana" panose="020B0604030504040204" pitchFamily="34" charset="0"/>
+                <a:ea typeface="Verdana" panose="020B0604030504040204" pitchFamily="34" charset="0"/>
+              </a:rPr>
+              <a:t>category</a:t>
+            </a:r>
+            <a:r>
+              <a:rPr lang="nl-NL" sz="1600" dirty="0">
+                <a:solidFill>
+                  <a:schemeClr val="tx1">
+                    <a:lumMod val="50000"/>
+                    <a:lumOff val="50000"/>
+                  </a:schemeClr>
+                </a:solidFill>
+                <a:latin typeface="Verdana" panose="020B0604030504040204" pitchFamily="34" charset="0"/>
+                <a:ea typeface="Verdana" panose="020B0604030504040204" pitchFamily="34" charset="0"/>
+              </a:rPr>
+              <a:t> </a:t>
+            </a:r>
+            <a:r>
+              <a:rPr lang="nl-NL" sz="1600" dirty="0" err="1">
+                <a:solidFill>
+                  <a:schemeClr val="tx1">
+                    <a:lumMod val="50000"/>
+                    <a:lumOff val="50000"/>
+                  </a:schemeClr>
+                </a:solidFill>
+                <a:latin typeface="Verdana" panose="020B0604030504040204" pitchFamily="34" charset="0"/>
+                <a:ea typeface="Verdana" panose="020B0604030504040204" pitchFamily="34" charset="0"/>
+              </a:rPr>
+              <a:t>within</a:t>
+            </a:r>
+            <a:r>
+              <a:rPr lang="nl-NL" sz="1600" dirty="0">
+                <a:solidFill>
+                  <a:schemeClr val="tx1">
+                    <a:lumMod val="50000"/>
+                    <a:lumOff val="50000"/>
+                  </a:schemeClr>
+                </a:solidFill>
+                <a:latin typeface="Verdana" panose="020B0604030504040204" pitchFamily="34" charset="0"/>
+                <a:ea typeface="Verdana" panose="020B0604030504040204" pitchFamily="34" charset="0"/>
+              </a:rPr>
+              <a:t> </a:t>
+            </a:r>
+            <a:r>
+              <a:rPr lang="nl-NL" sz="1600" dirty="0" err="1">
+                <a:solidFill>
+                  <a:schemeClr val="tx1">
+                    <a:lumMod val="50000"/>
+                    <a:lumOff val="50000"/>
+                  </a:schemeClr>
+                </a:solidFill>
+                <a:latin typeface="Verdana" panose="020B0604030504040204" pitchFamily="34" charset="0"/>
+                <a:ea typeface="Verdana" panose="020B0604030504040204" pitchFamily="34" charset="0"/>
+              </a:rPr>
+              <a:t>the</a:t>
+            </a:r>
+            <a:r>
+              <a:rPr lang="nl-NL" sz="1600" dirty="0">
+                <a:solidFill>
+                  <a:schemeClr val="tx1">
+                    <a:lumMod val="50000"/>
+                    <a:lumOff val="50000"/>
+                  </a:schemeClr>
+                </a:solidFill>
+                <a:latin typeface="Verdana" panose="020B0604030504040204" pitchFamily="34" charset="0"/>
+                <a:ea typeface="Verdana" panose="020B0604030504040204" pitchFamily="34" charset="0"/>
+              </a:rPr>
+              <a:t> subject </a:t>
+            </a:r>
+            <a:r>
+              <a:rPr lang="nl-NL" sz="1600" dirty="0" err="1">
+                <a:solidFill>
+                  <a:schemeClr val="tx1">
+                    <a:lumMod val="50000"/>
+                    <a:lumOff val="50000"/>
+                  </a:schemeClr>
+                </a:solidFill>
+                <a:latin typeface="Verdana" panose="020B0604030504040204" pitchFamily="34" charset="0"/>
+                <a:ea typeface="Verdana" panose="020B0604030504040204" pitchFamily="34" charset="0"/>
+              </a:rPr>
+              <a:t>an</a:t>
+            </a:r>
+            <a:r>
+              <a:rPr lang="en-GB" sz="1600" dirty="0">
+                <a:solidFill>
+                  <a:schemeClr val="tx1">
+                    <a:lumMod val="50000"/>
+                    <a:lumOff val="50000"/>
+                  </a:schemeClr>
+                </a:solidFill>
+                <a:latin typeface="Verdana" panose="020B0604030504040204" pitchFamily="34" charset="0"/>
+                <a:ea typeface="Verdana" panose="020B0604030504040204" pitchFamily="34" charset="0"/>
+              </a:rPr>
+              <a:t>d choosing a part of the Dutch society.</a:t>
+            </a:r>
+            <a:endParaRPr lang="nl-NL" sz="1600" dirty="0">
+              <a:solidFill>
+                <a:schemeClr val="tx1">
+                  <a:lumMod val="50000"/>
+                  <a:lumOff val="50000"/>
+                </a:schemeClr>
+              </a:solidFill>
               <a:latin typeface="Verdana" panose="020B0604030504040204" pitchFamily="34" charset="0"/>
               <a:ea typeface="Verdana" panose="020B0604030504040204" pitchFamily="34" charset="0"/>
             </a:endParaRPr>

--- a/UNO_Poster.pptx
+++ b/UNO_Poster.pptx
@@ -126,6 +126,131 @@
 </p:presentation>
 </file>
 
+<file path=ppt/revisionInfo.xml><?xml version="1.0" encoding="utf-8"?>
+<p1510:revInfo xmlns:a="http://schemas.openxmlformats.org/drawingml/2006/main" xmlns:r="http://schemas.openxmlformats.org/officeDocument/2006/relationships" xmlns:p1510="http://schemas.microsoft.com/office/powerpoint/2015/10/main">
+  <p1510:revLst>
+    <p1510:client id="{15466B4B-FD20-404D-B5CA-4C0763DB6751}" v="20" dt="2019-04-09T14:37:59.183"/>
+  </p1510:revLst>
+</p1510:revInfo>
+</file>
+
+<file path=ppt/changesInfos/changesInfo1.xml><?xml version="1.0" encoding="utf-8"?>
+<pc:chgInfo xmlns:a="http://schemas.openxmlformats.org/drawingml/2006/main" xmlns:r="http://schemas.openxmlformats.org/officeDocument/2006/relationships" xmlns:ac="http://schemas.microsoft.com/office/drawing/2013/main/command" xmlns:pc="http://schemas.microsoft.com/office/powerpoint/2013/main/command">
+  <pc:docChgLst>
+    <pc:chgData name="Rob Pennekamp" userId="6b0ec7c6a79f87b1" providerId="LiveId" clId="{15466B4B-FD20-404D-B5CA-4C0763DB6751}"/>
+    <pc:docChg chg="undo modSld">
+      <pc:chgData name="Rob Pennekamp" userId="6b0ec7c6a79f87b1" providerId="LiveId" clId="{15466B4B-FD20-404D-B5CA-4C0763DB6751}" dt="2019-04-09T14:38:13.665" v="328" actId="1076"/>
+      <pc:docMkLst>
+        <pc:docMk/>
+      </pc:docMkLst>
+      <pc:sldChg chg="addSp delSp modSp">
+        <pc:chgData name="Rob Pennekamp" userId="6b0ec7c6a79f87b1" providerId="LiveId" clId="{15466B4B-FD20-404D-B5CA-4C0763DB6751}" dt="2019-04-09T14:38:13.665" v="328" actId="1076"/>
+        <pc:sldMkLst>
+          <pc:docMk/>
+          <pc:sldMk cId="0" sldId="256"/>
+        </pc:sldMkLst>
+        <pc:spChg chg="mod">
+          <ac:chgData name="Rob Pennekamp" userId="6b0ec7c6a79f87b1" providerId="LiveId" clId="{15466B4B-FD20-404D-B5CA-4C0763DB6751}" dt="2019-04-09T14:31:20.236" v="26" actId="20577"/>
+          <ac:spMkLst>
+            <pc:docMk/>
+            <pc:sldMk cId="0" sldId="256"/>
+            <ac:spMk id="3" creationId="{00000000-0000-0000-0000-000000000000}"/>
+          </ac:spMkLst>
+        </pc:spChg>
+        <pc:spChg chg="add del">
+          <ac:chgData name="Rob Pennekamp" userId="6b0ec7c6a79f87b1" providerId="LiveId" clId="{15466B4B-FD20-404D-B5CA-4C0763DB6751}" dt="2019-04-09T14:32:47.989" v="30" actId="478"/>
+          <ac:spMkLst>
+            <pc:docMk/>
+            <pc:sldMk cId="0" sldId="256"/>
+            <ac:spMk id="7" creationId="{72C5A024-B457-4917-8940-3E00B52A3331}"/>
+          </ac:spMkLst>
+        </pc:spChg>
+        <pc:spChg chg="add del mod">
+          <ac:chgData name="Rob Pennekamp" userId="6b0ec7c6a79f87b1" providerId="LiveId" clId="{15466B4B-FD20-404D-B5CA-4C0763DB6751}" dt="2019-04-09T14:33:02.265" v="34" actId="478"/>
+          <ac:spMkLst>
+            <pc:docMk/>
+            <pc:sldMk cId="0" sldId="256"/>
+            <ac:spMk id="8" creationId="{4B0DA4D9-7F64-4878-90D6-06CFA0BB2A44}"/>
+          </ac:spMkLst>
+        </pc:spChg>
+        <pc:spChg chg="add mod">
+          <ac:chgData name="Rob Pennekamp" userId="6b0ec7c6a79f87b1" providerId="LiveId" clId="{15466B4B-FD20-404D-B5CA-4C0763DB6751}" dt="2019-04-09T14:37:59.180" v="326" actId="207"/>
+          <ac:spMkLst>
+            <pc:docMk/>
+            <pc:sldMk cId="0" sldId="256"/>
+            <ac:spMk id="11" creationId="{E18F2302-C61B-4D0F-A997-BA8043350ADF}"/>
+          </ac:spMkLst>
+        </pc:spChg>
+        <pc:spChg chg="mod">
+          <ac:chgData name="Rob Pennekamp" userId="6b0ec7c6a79f87b1" providerId="LiveId" clId="{15466B4B-FD20-404D-B5CA-4C0763DB6751}" dt="2019-04-09T14:36:45.851" v="315" actId="1076"/>
+          <ac:spMkLst>
+            <pc:docMk/>
+            <pc:sldMk cId="0" sldId="256"/>
+            <ac:spMk id="17" creationId="{33D0EA36-EB46-4F85-BFC5-002780B198B9}"/>
+          </ac:spMkLst>
+        </pc:spChg>
+        <pc:spChg chg="mod">
+          <ac:chgData name="Rob Pennekamp" userId="6b0ec7c6a79f87b1" providerId="LiveId" clId="{15466B4B-FD20-404D-B5CA-4C0763DB6751}" dt="2019-04-09T14:31:22.969" v="28" actId="20577"/>
+          <ac:spMkLst>
+            <pc:docMk/>
+            <pc:sldMk cId="0" sldId="256"/>
+            <ac:spMk id="20" creationId="{A3728D71-5EA2-4DB9-821C-5A7851FA097C}"/>
+          </ac:spMkLst>
+        </pc:spChg>
+        <pc:spChg chg="mod">
+          <ac:chgData name="Rob Pennekamp" userId="6b0ec7c6a79f87b1" providerId="LiveId" clId="{15466B4B-FD20-404D-B5CA-4C0763DB6751}" dt="2019-04-09T14:37:27.802" v="320" actId="1076"/>
+          <ac:spMkLst>
+            <pc:docMk/>
+            <pc:sldMk cId="0" sldId="256"/>
+            <ac:spMk id="61" creationId="{00000000-0000-0000-0000-000000000000}"/>
+          </ac:spMkLst>
+        </pc:spChg>
+        <pc:picChg chg="mod">
+          <ac:chgData name="Rob Pennekamp" userId="6b0ec7c6a79f87b1" providerId="LiveId" clId="{15466B4B-FD20-404D-B5CA-4C0763DB6751}" dt="2019-04-09T14:38:08.009" v="327" actId="1076"/>
+          <ac:picMkLst>
+            <pc:docMk/>
+            <pc:sldMk cId="0" sldId="256"/>
+            <ac:picMk id="2" creationId="{00000000-0000-0000-0000-000000000000}"/>
+          </ac:picMkLst>
+        </pc:picChg>
+        <pc:picChg chg="mod">
+          <ac:chgData name="Rob Pennekamp" userId="6b0ec7c6a79f87b1" providerId="LiveId" clId="{15466B4B-FD20-404D-B5CA-4C0763DB6751}" dt="2019-04-09T14:38:08.009" v="327" actId="1076"/>
+          <ac:picMkLst>
+            <pc:docMk/>
+            <pc:sldMk cId="0" sldId="256"/>
+            <ac:picMk id="4" creationId="{00000000-0000-0000-0000-000000000000}"/>
+          </ac:picMkLst>
+        </pc:picChg>
+        <pc:picChg chg="mod">
+          <ac:chgData name="Rob Pennekamp" userId="6b0ec7c6a79f87b1" providerId="LiveId" clId="{15466B4B-FD20-404D-B5CA-4C0763DB6751}" dt="2019-04-09T14:38:08.009" v="327" actId="1076"/>
+          <ac:picMkLst>
+            <pc:docMk/>
+            <pc:sldMk cId="0" sldId="256"/>
+            <ac:picMk id="6" creationId="{00000000-0000-0000-0000-000000000000}"/>
+          </ac:picMkLst>
+        </pc:picChg>
+        <pc:picChg chg="add mod">
+          <ac:chgData name="Rob Pennekamp" userId="6b0ec7c6a79f87b1" providerId="LiveId" clId="{15466B4B-FD20-404D-B5CA-4C0763DB6751}" dt="2019-04-09T14:38:13.665" v="328" actId="1076"/>
+          <ac:picMkLst>
+            <pc:docMk/>
+            <pc:sldMk cId="0" sldId="256"/>
+            <ac:picMk id="9" creationId="{0F5F8CF1-2A15-4B40-87DC-8CFD832767FE}"/>
+          </ac:picMkLst>
+        </pc:picChg>
+        <pc:picChg chg="add del">
+          <ac:chgData name="Rob Pennekamp" userId="6b0ec7c6a79f87b1" providerId="LiveId" clId="{15466B4B-FD20-404D-B5CA-4C0763DB6751}" dt="2019-04-09T14:34:36.865" v="55"/>
+          <ac:picMkLst>
+            <pc:docMk/>
+            <pc:sldMk cId="0" sldId="256"/>
+            <ac:picMk id="14" creationId="{C1E01E3F-C0F0-4A2A-B56A-7A802922F57A}"/>
+          </ac:picMkLst>
+        </pc:picChg>
+      </pc:sldChg>
+    </pc:docChg>
+  </pc:docChgLst>
+</pc:chgInfo>
+</file>
+
 <file path=ppt/notesMasters/notesMaster1.xml><?xml version="1.0" encoding="utf-8"?>
 <p:notesMaster xmlns:a="http://schemas.openxmlformats.org/drawingml/2006/main" xmlns:r="http://schemas.openxmlformats.org/officeDocument/2006/relationships" xmlns:p="http://schemas.openxmlformats.org/presentationml/2006/main">
   <p:cSld>
@@ -366,7 +491,7 @@
           <a:p>
             <a:fld id="{3BE81A27-1440-C343-B73A-EDC558E67D24}" type="slidenum">
               <a:rPr lang="nl-NL" smtClean="0"/>
-              <a:t>‹#›</a:t>
+              <a:t>‹nr.›</a:t>
             </a:fld>
             <a:endParaRPr lang="nl-NL"/>
           </a:p>
@@ -662,7 +787,7 @@
           <a:p>
             <a:fld id="{83473042-6688-F148-AA6B-B0D689358453}" type="slidenum">
               <a:rPr lang="nl-NL" smtClean="0"/>
-              <a:t>‹#›</a:t>
+              <a:t>‹nr.›</a:t>
             </a:fld>
             <a:endParaRPr lang="nl-NL"/>
           </a:p>
@@ -2482,7 +2607,7 @@
                 <a:latin typeface="Verdana" panose="020B0604030504040204" pitchFamily="34" charset="0"/>
                 <a:ea typeface="Verdana" panose="020B0604030504040204" pitchFamily="34" charset="0"/>
               </a:rPr>
-              <a:t>Barplot</a:t>
+              <a:t>Figure</a:t>
             </a:r>
             <a:r>
               <a:rPr lang="nl-NL" sz="1800" b="1" dirty="0">
@@ -2668,8 +2793,8 @@
         </p:blipFill>
         <p:spPr>
           <a:xfrm>
-            <a:off x="1218895" y="16521411"/>
-            <a:ext cx="2775553" cy="1740204"/>
+            <a:off x="1274627" y="15710040"/>
+            <a:ext cx="2219118" cy="1740204"/>
           </a:xfrm>
           <a:prstGeom prst="rect">
             <a:avLst/>
@@ -2691,8 +2816,8 @@
         </p:blipFill>
         <p:spPr>
           <a:xfrm>
-            <a:off x="3995068" y="16476171"/>
-            <a:ext cx="2708290" cy="1786318"/>
+            <a:off x="3503915" y="15664800"/>
+            <a:ext cx="2165340" cy="1786318"/>
           </a:xfrm>
           <a:prstGeom prst="rect">
             <a:avLst/>
@@ -2714,8 +2839,8 @@
         </p:blipFill>
         <p:spPr>
           <a:xfrm>
-            <a:off x="6703358" y="16485895"/>
-            <a:ext cx="1656184" cy="1795994"/>
+            <a:off x="5669255" y="15655124"/>
+            <a:ext cx="1324157" cy="1795994"/>
           </a:xfrm>
           <a:prstGeom prst="rect">
             <a:avLst/>
@@ -2736,8 +2861,8 @@
         </p:nvSpPr>
         <p:spPr>
           <a:xfrm>
-            <a:off x="980092" y="20066712"/>
-            <a:ext cx="9351680" cy="7466146"/>
+            <a:off x="980092" y="22398665"/>
+            <a:ext cx="9351680" cy="5189626"/>
           </a:xfrm>
           <a:prstGeom prst="rect">
             <a:avLst/>
@@ -2836,7 +2961,7 @@
               <a:rPr lang="en-GB" sz="1800" dirty="0">
                 <a:latin typeface="Verdana" panose="020B0604030504040204"/>
               </a:rPr>
-              <a:t>Differences between men and women are often small, but existent nonetheless. Remarkably, men use internet more frequently than women in all but one category: social media. </a:t>
+              <a:t>One of the other graphs shows that people with a higher level of education use the internet more frequently on a smartphone. However, internet usage within amusement categories seems more popular with people who have followed medium level education.</a:t>
             </a:r>
           </a:p>
           <a:p>
@@ -2859,63 +2984,7 @@
               <a:rPr lang="en-GB" sz="1800" dirty="0">
                 <a:latin typeface="Verdana" panose="020B0604030504040204"/>
               </a:rPr>
-              <a:t>One of the other graphs shows that people with a higher level of education use the internet more frequently on a smartphone. However, internet usage within amusement categories seems more popular with people who have followed medium level education.</a:t>
-            </a:r>
-          </a:p>
-          <a:p>
-            <a:pPr>
-              <a:lnSpc>
-                <a:spcPts val="2545"/>
-              </a:lnSpc>
-            </a:pPr>
-            <a:endParaRPr lang="en-GB" sz="1800" dirty="0">
-              <a:latin typeface="Verdana" panose="020B0604030504040204"/>
-            </a:endParaRPr>
-          </a:p>
-          <a:p>
-            <a:pPr>
-              <a:lnSpc>
-                <a:spcPts val="2545"/>
-              </a:lnSpc>
-            </a:pPr>
-            <a:r>
-              <a:rPr lang="en-GB" sz="1800" dirty="0">
-                <a:latin typeface="Verdana" panose="020B0604030504040204"/>
-              </a:rPr>
               <a:t>As we expected, internet usage for entertainments sake is less frequent with people working full-time. When talking about entertainment, one can think of activities such as playing games or downloading and streaming movies, music or tv-shows.</a:t>
-            </a:r>
-          </a:p>
-          <a:p>
-            <a:pPr>
-              <a:lnSpc>
-                <a:spcPts val="2545"/>
-              </a:lnSpc>
-            </a:pPr>
-            <a:endParaRPr lang="en-GB" sz="2400" dirty="0">
-              <a:latin typeface="Verdana" panose="020B0604030504040204"/>
-            </a:endParaRPr>
-          </a:p>
-          <a:p>
-            <a:pPr>
-              <a:lnSpc>
-                <a:spcPts val="2545"/>
-              </a:lnSpc>
-            </a:pPr>
-            <a:endParaRPr lang="en-GB" sz="2400" dirty="0">
-              <a:latin typeface="Verdana" panose="020B0604030504040204"/>
-            </a:endParaRPr>
-          </a:p>
-          <a:p>
-            <a:pPr>
-              <a:lnSpc>
-                <a:spcPts val="2545"/>
-              </a:lnSpc>
-            </a:pPr>
-            <a:r>
-              <a:rPr lang="en-GB" sz="2400" dirty="0">
-                <a:latin typeface="Verdana" panose="020B0604030504040204"/>
-              </a:rPr>
-              <a:t> </a:t>
             </a:r>
           </a:p>
         </p:txBody>
@@ -3407,7 +3476,7 @@
         </p:nvSpPr>
         <p:spPr>
           <a:xfrm>
-            <a:off x="1218895" y="18365750"/>
+            <a:off x="1187145" y="17602777"/>
             <a:ext cx="7513367" cy="1107996"/>
           </a:xfrm>
           <a:prstGeom prst="rect">
@@ -3439,7 +3508,7 @@
                 <a:latin typeface="Verdana" panose="020B0604030504040204" pitchFamily="34" charset="0"/>
                 <a:ea typeface="Verdana" panose="020B0604030504040204" pitchFamily="34" charset="0"/>
               </a:rPr>
-              <a:t> 1:</a:t>
+              <a:t> 2:</a:t>
             </a:r>
           </a:p>
           <a:p>
@@ -3799,6 +3868,506 @@
                 <a:schemeClr val="tx1">
                   <a:lumMod val="50000"/>
                   <a:lumOff val="50000"/>
+                </a:schemeClr>
+              </a:solidFill>
+              <a:latin typeface="Verdana" panose="020B0604030504040204" pitchFamily="34" charset="0"/>
+              <a:ea typeface="Verdana" panose="020B0604030504040204" pitchFamily="34" charset="0"/>
+            </a:endParaRPr>
+          </a:p>
+        </p:txBody>
+      </p:sp>
+      <p:pic>
+        <p:nvPicPr>
+          <p:cNvPr id="9" name="Afbeelding 8">
+            <a:extLst>
+              <a:ext uri="{FF2B5EF4-FFF2-40B4-BE49-F238E27FC236}">
+                <a16:creationId xmlns:a16="http://schemas.microsoft.com/office/drawing/2014/main" id="{0F5F8CF1-2A15-4B40-87DC-8CFD832767FE}"/>
+              </a:ext>
+            </a:extLst>
+          </p:cNvPr>
+          <p:cNvPicPr>
+            <a:picLocks noChangeAspect="1"/>
+          </p:cNvPicPr>
+          <p:nvPr/>
+        </p:nvPicPr>
+        <p:blipFill>
+          <a:blip r:embed="rId8"/>
+          <a:stretch>
+            <a:fillRect/>
+          </a:stretch>
+        </p:blipFill>
+        <p:spPr>
+          <a:xfrm>
+            <a:off x="1156978" y="18914545"/>
+            <a:ext cx="5696039" cy="2439302"/>
+          </a:xfrm>
+          <a:prstGeom prst="rect">
+            <a:avLst/>
+          </a:prstGeom>
+        </p:spPr>
+      </p:pic>
+      <p:sp>
+        <p:nvSpPr>
+          <p:cNvPr id="11" name="Tekstvak 10">
+            <a:extLst>
+              <a:ext uri="{FF2B5EF4-FFF2-40B4-BE49-F238E27FC236}">
+                <a16:creationId xmlns:a16="http://schemas.microsoft.com/office/drawing/2014/main" id="{E18F2302-C61B-4D0F-A997-BA8043350ADF}"/>
+              </a:ext>
+            </a:extLst>
+          </p:cNvPr>
+          <p:cNvSpPr txBox="1"/>
+          <p:nvPr/>
+        </p:nvSpPr>
+        <p:spPr>
+          <a:xfrm>
+            <a:off x="1187145" y="21353847"/>
+            <a:ext cx="7272419" cy="1107996"/>
+          </a:xfrm>
+          <a:prstGeom prst="rect">
+            <a:avLst/>
+          </a:prstGeom>
+          <a:noFill/>
+        </p:spPr>
+        <p:txBody>
+          <a:bodyPr wrap="square" rtlCol="0">
+            <a:spAutoFit/>
+          </a:bodyPr>
+          <a:lstStyle/>
+          <a:p>
+            <a:r>
+              <a:rPr lang="nl-NL" sz="1800" b="1" dirty="0" err="1">
+                <a:solidFill>
+                  <a:schemeClr val="tx2"/>
+                </a:solidFill>
+                <a:latin typeface="Verdana" panose="020B0604030504040204" pitchFamily="34" charset="0"/>
+                <a:ea typeface="Verdana" panose="020B0604030504040204" pitchFamily="34" charset="0"/>
+              </a:rPr>
+              <a:t>Figure</a:t>
+            </a:r>
+            <a:r>
+              <a:rPr lang="nl-NL" sz="1800" b="1" dirty="0">
+                <a:solidFill>
+                  <a:schemeClr val="tx2"/>
+                </a:solidFill>
+                <a:latin typeface="Verdana" panose="020B0604030504040204" pitchFamily="34" charset="0"/>
+                <a:ea typeface="Verdana" panose="020B0604030504040204" pitchFamily="34" charset="0"/>
+              </a:rPr>
+              <a:t> 3:</a:t>
+            </a:r>
+          </a:p>
+          <a:p>
+            <a:r>
+              <a:rPr lang="nl-NL" sz="1600" dirty="0" err="1">
+                <a:solidFill>
+                  <a:schemeClr val="bg1">
+                    <a:lumMod val="50000"/>
+                  </a:schemeClr>
+                </a:solidFill>
+                <a:latin typeface="Verdana" panose="020B0604030504040204" pitchFamily="34" charset="0"/>
+                <a:ea typeface="Verdana" panose="020B0604030504040204" pitchFamily="34" charset="0"/>
+              </a:rPr>
+              <a:t>Graph</a:t>
+            </a:r>
+            <a:r>
+              <a:rPr lang="nl-NL" sz="1600" dirty="0">
+                <a:solidFill>
+                  <a:schemeClr val="bg1">
+                    <a:lumMod val="50000"/>
+                  </a:schemeClr>
+                </a:solidFill>
+                <a:latin typeface="Verdana" panose="020B0604030504040204" pitchFamily="34" charset="0"/>
+                <a:ea typeface="Verdana" panose="020B0604030504040204" pitchFamily="34" charset="0"/>
+              </a:rPr>
+              <a:t> </a:t>
+            </a:r>
+            <a:r>
+              <a:rPr lang="nl-NL" sz="1600" dirty="0" err="1">
+                <a:solidFill>
+                  <a:schemeClr val="bg1">
+                    <a:lumMod val="50000"/>
+                  </a:schemeClr>
+                </a:solidFill>
+                <a:latin typeface="Verdana" panose="020B0604030504040204" pitchFamily="34" charset="0"/>
+                <a:ea typeface="Verdana" panose="020B0604030504040204" pitchFamily="34" charset="0"/>
+              </a:rPr>
+              <a:t>that</a:t>
+            </a:r>
+            <a:r>
+              <a:rPr lang="nl-NL" sz="1600" dirty="0">
+                <a:solidFill>
+                  <a:schemeClr val="bg1">
+                    <a:lumMod val="50000"/>
+                  </a:schemeClr>
+                </a:solidFill>
+                <a:latin typeface="Verdana" panose="020B0604030504040204" pitchFamily="34" charset="0"/>
+                <a:ea typeface="Verdana" panose="020B0604030504040204" pitchFamily="34" charset="0"/>
+              </a:rPr>
+              <a:t> shows </a:t>
+            </a:r>
+            <a:r>
+              <a:rPr lang="nl-NL" sz="1600" dirty="0" err="1">
+                <a:solidFill>
+                  <a:schemeClr val="bg1">
+                    <a:lumMod val="50000"/>
+                  </a:schemeClr>
+                </a:solidFill>
+                <a:latin typeface="Verdana" panose="020B0604030504040204" pitchFamily="34" charset="0"/>
+                <a:ea typeface="Verdana" panose="020B0604030504040204" pitchFamily="34" charset="0"/>
+              </a:rPr>
+              <a:t>the</a:t>
+            </a:r>
+            <a:r>
+              <a:rPr lang="nl-NL" sz="1600" dirty="0">
+                <a:solidFill>
+                  <a:schemeClr val="bg1">
+                    <a:lumMod val="50000"/>
+                  </a:schemeClr>
+                </a:solidFill>
+                <a:latin typeface="Verdana" panose="020B0604030504040204" pitchFamily="34" charset="0"/>
+                <a:ea typeface="Verdana" panose="020B0604030504040204" pitchFamily="34" charset="0"/>
+              </a:rPr>
+              <a:t> percentage of </a:t>
+            </a:r>
+            <a:r>
+              <a:rPr lang="nl-NL" sz="1600" dirty="0" err="1">
+                <a:solidFill>
+                  <a:schemeClr val="bg1">
+                    <a:lumMod val="50000"/>
+                  </a:schemeClr>
+                </a:solidFill>
+                <a:latin typeface="Verdana" panose="020B0604030504040204" pitchFamily="34" charset="0"/>
+                <a:ea typeface="Verdana" panose="020B0604030504040204" pitchFamily="34" charset="0"/>
+              </a:rPr>
+              <a:t>people</a:t>
+            </a:r>
+            <a:r>
+              <a:rPr lang="nl-NL" sz="1600" dirty="0">
+                <a:solidFill>
+                  <a:schemeClr val="bg1">
+                    <a:lumMod val="50000"/>
+                  </a:schemeClr>
+                </a:solidFill>
+                <a:latin typeface="Verdana" panose="020B0604030504040204" pitchFamily="34" charset="0"/>
+                <a:ea typeface="Verdana" panose="020B0604030504040204" pitchFamily="34" charset="0"/>
+              </a:rPr>
+              <a:t> </a:t>
+            </a:r>
+            <a:r>
+              <a:rPr lang="nl-NL" sz="1600" dirty="0" err="1">
+                <a:solidFill>
+                  <a:schemeClr val="bg1">
+                    <a:lumMod val="50000"/>
+                  </a:schemeClr>
+                </a:solidFill>
+                <a:latin typeface="Verdana" panose="020B0604030504040204" pitchFamily="34" charset="0"/>
+                <a:ea typeface="Verdana" panose="020B0604030504040204" pitchFamily="34" charset="0"/>
+              </a:rPr>
+              <a:t>within</a:t>
+            </a:r>
+            <a:r>
+              <a:rPr lang="nl-NL" sz="1600" dirty="0">
+                <a:solidFill>
+                  <a:schemeClr val="bg1">
+                    <a:lumMod val="50000"/>
+                  </a:schemeClr>
+                </a:solidFill>
+                <a:latin typeface="Verdana" panose="020B0604030504040204" pitchFamily="34" charset="0"/>
+                <a:ea typeface="Verdana" panose="020B0604030504040204" pitchFamily="34" charset="0"/>
+              </a:rPr>
+              <a:t> </a:t>
+            </a:r>
+            <a:r>
+              <a:rPr lang="nl-NL" sz="1600" dirty="0" err="1">
+                <a:solidFill>
+                  <a:schemeClr val="bg1">
+                    <a:lumMod val="50000"/>
+                  </a:schemeClr>
+                </a:solidFill>
+                <a:latin typeface="Verdana" panose="020B0604030504040204" pitchFamily="34" charset="0"/>
+                <a:ea typeface="Verdana" panose="020B0604030504040204" pitchFamily="34" charset="0"/>
+              </a:rPr>
+              <a:t>paygrades</a:t>
+            </a:r>
+            <a:r>
+              <a:rPr lang="nl-NL" sz="1600" dirty="0">
+                <a:solidFill>
+                  <a:schemeClr val="bg1">
+                    <a:lumMod val="50000"/>
+                  </a:schemeClr>
+                </a:solidFill>
+                <a:latin typeface="Verdana" panose="020B0604030504040204" pitchFamily="34" charset="0"/>
+                <a:ea typeface="Verdana" panose="020B0604030504040204" pitchFamily="34" charset="0"/>
+              </a:rPr>
+              <a:t> </a:t>
+            </a:r>
+            <a:r>
+              <a:rPr lang="nl-NL" sz="1600" dirty="0" err="1">
+                <a:solidFill>
+                  <a:schemeClr val="bg1">
+                    <a:lumMod val="50000"/>
+                  </a:schemeClr>
+                </a:solidFill>
+                <a:latin typeface="Verdana" panose="020B0604030504040204" pitchFamily="34" charset="0"/>
+                <a:ea typeface="Verdana" panose="020B0604030504040204" pitchFamily="34" charset="0"/>
+              </a:rPr>
+              <a:t>that</a:t>
+            </a:r>
+            <a:r>
+              <a:rPr lang="nl-NL" sz="1600" dirty="0">
+                <a:solidFill>
+                  <a:schemeClr val="bg1">
+                    <a:lumMod val="50000"/>
+                  </a:schemeClr>
+                </a:solidFill>
+                <a:latin typeface="Verdana" panose="020B0604030504040204" pitchFamily="34" charset="0"/>
+                <a:ea typeface="Verdana" panose="020B0604030504040204" pitchFamily="34" charset="0"/>
+              </a:rPr>
+              <a:t> </a:t>
+            </a:r>
+            <a:r>
+              <a:rPr lang="nl-NL" sz="1600" dirty="0" err="1">
+                <a:solidFill>
+                  <a:schemeClr val="bg1">
+                    <a:lumMod val="50000"/>
+                  </a:schemeClr>
+                </a:solidFill>
+                <a:latin typeface="Verdana" panose="020B0604030504040204" pitchFamily="34" charset="0"/>
+                <a:ea typeface="Verdana" panose="020B0604030504040204" pitchFamily="34" charset="0"/>
+              </a:rPr>
+              <a:t>use</a:t>
+            </a:r>
+            <a:r>
+              <a:rPr lang="nl-NL" sz="1600" dirty="0">
+                <a:solidFill>
+                  <a:schemeClr val="bg1">
+                    <a:lumMod val="50000"/>
+                  </a:schemeClr>
+                </a:solidFill>
+                <a:latin typeface="Verdana" panose="020B0604030504040204" pitchFamily="34" charset="0"/>
+                <a:ea typeface="Verdana" panose="020B0604030504040204" pitchFamily="34" charset="0"/>
+              </a:rPr>
+              <a:t> </a:t>
+            </a:r>
+            <a:r>
+              <a:rPr lang="nl-NL" sz="1600" dirty="0" err="1">
+                <a:solidFill>
+                  <a:schemeClr val="bg1">
+                    <a:lumMod val="50000"/>
+                  </a:schemeClr>
+                </a:solidFill>
+                <a:latin typeface="Verdana" panose="020B0604030504040204" pitchFamily="34" charset="0"/>
+                <a:ea typeface="Verdana" panose="020B0604030504040204" pitchFamily="34" charset="0"/>
+              </a:rPr>
+              <a:t>social</a:t>
+            </a:r>
+            <a:r>
+              <a:rPr lang="nl-NL" sz="1600" dirty="0">
+                <a:solidFill>
+                  <a:schemeClr val="bg1">
+                    <a:lumMod val="50000"/>
+                  </a:schemeClr>
+                </a:solidFill>
+                <a:latin typeface="Verdana" panose="020B0604030504040204" pitchFamily="34" charset="0"/>
+                <a:ea typeface="Verdana" panose="020B0604030504040204" pitchFamily="34" charset="0"/>
+              </a:rPr>
+              <a:t> media on a </a:t>
+            </a:r>
+            <a:r>
+              <a:rPr lang="nl-NL" sz="1600" dirty="0" err="1">
+                <a:solidFill>
+                  <a:schemeClr val="bg1">
+                    <a:lumMod val="50000"/>
+                  </a:schemeClr>
+                </a:solidFill>
+                <a:latin typeface="Verdana" panose="020B0604030504040204" pitchFamily="34" charset="0"/>
+                <a:ea typeface="Verdana" panose="020B0604030504040204" pitchFamily="34" charset="0"/>
+              </a:rPr>
+              <a:t>daily</a:t>
+            </a:r>
+            <a:r>
+              <a:rPr lang="nl-NL" sz="1600" dirty="0">
+                <a:solidFill>
+                  <a:schemeClr val="bg1">
+                    <a:lumMod val="50000"/>
+                  </a:schemeClr>
+                </a:solidFill>
+                <a:latin typeface="Verdana" panose="020B0604030504040204" pitchFamily="34" charset="0"/>
+                <a:ea typeface="Verdana" panose="020B0604030504040204" pitchFamily="34" charset="0"/>
+              </a:rPr>
+              <a:t> basis. </a:t>
+            </a:r>
+            <a:r>
+              <a:rPr lang="nl-NL" sz="1600" dirty="0" err="1">
+                <a:solidFill>
+                  <a:schemeClr val="bg1">
+                    <a:lumMod val="50000"/>
+                  </a:schemeClr>
+                </a:solidFill>
+                <a:latin typeface="Verdana" panose="020B0604030504040204" pitchFamily="34" charset="0"/>
+                <a:ea typeface="Verdana" panose="020B0604030504040204" pitchFamily="34" charset="0"/>
+              </a:rPr>
+              <a:t>Note</a:t>
+            </a:r>
+            <a:r>
+              <a:rPr lang="nl-NL" sz="1600" dirty="0">
+                <a:solidFill>
+                  <a:schemeClr val="bg1">
+                    <a:lumMod val="50000"/>
+                  </a:schemeClr>
+                </a:solidFill>
+                <a:latin typeface="Verdana" panose="020B0604030504040204" pitchFamily="34" charset="0"/>
+                <a:ea typeface="Verdana" panose="020B0604030504040204" pitchFamily="34" charset="0"/>
+              </a:rPr>
+              <a:t> </a:t>
+            </a:r>
+            <a:r>
+              <a:rPr lang="nl-NL" sz="1600" dirty="0" err="1">
+                <a:solidFill>
+                  <a:schemeClr val="bg1">
+                    <a:lumMod val="50000"/>
+                  </a:schemeClr>
+                </a:solidFill>
+                <a:latin typeface="Verdana" panose="020B0604030504040204" pitchFamily="34" charset="0"/>
+                <a:ea typeface="Verdana" panose="020B0604030504040204" pitchFamily="34" charset="0"/>
+              </a:rPr>
+              <a:t>the</a:t>
+            </a:r>
+            <a:r>
+              <a:rPr lang="nl-NL" sz="1600" dirty="0">
+                <a:solidFill>
+                  <a:schemeClr val="bg1">
+                    <a:lumMod val="50000"/>
+                  </a:schemeClr>
+                </a:solidFill>
+                <a:latin typeface="Verdana" panose="020B0604030504040204" pitchFamily="34" charset="0"/>
+                <a:ea typeface="Verdana" panose="020B0604030504040204" pitchFamily="34" charset="0"/>
+              </a:rPr>
+              <a:t> high </a:t>
+            </a:r>
+            <a:r>
+              <a:rPr lang="nl-NL" sz="1600" dirty="0" err="1">
+                <a:solidFill>
+                  <a:schemeClr val="bg1">
+                    <a:lumMod val="50000"/>
+                  </a:schemeClr>
+                </a:solidFill>
+                <a:latin typeface="Verdana" panose="020B0604030504040204" pitchFamily="34" charset="0"/>
+                <a:ea typeface="Verdana" panose="020B0604030504040204" pitchFamily="34" charset="0"/>
+              </a:rPr>
+              <a:t>usage</a:t>
+            </a:r>
+            <a:r>
+              <a:rPr lang="nl-NL" sz="1600" dirty="0">
+                <a:solidFill>
+                  <a:schemeClr val="bg1">
+                    <a:lumMod val="50000"/>
+                  </a:schemeClr>
+                </a:solidFill>
+                <a:latin typeface="Verdana" panose="020B0604030504040204" pitchFamily="34" charset="0"/>
+                <a:ea typeface="Verdana" panose="020B0604030504040204" pitchFamily="34" charset="0"/>
+              </a:rPr>
+              <a:t> of </a:t>
+            </a:r>
+            <a:r>
+              <a:rPr lang="nl-NL" sz="1600" dirty="0" err="1">
+                <a:solidFill>
+                  <a:schemeClr val="bg1">
+                    <a:lumMod val="50000"/>
+                  </a:schemeClr>
+                </a:solidFill>
+                <a:latin typeface="Verdana" panose="020B0604030504040204" pitchFamily="34" charset="0"/>
+                <a:ea typeface="Verdana" panose="020B0604030504040204" pitchFamily="34" charset="0"/>
+              </a:rPr>
+              <a:t>the</a:t>
+            </a:r>
+            <a:r>
+              <a:rPr lang="nl-NL" sz="1600" dirty="0">
+                <a:solidFill>
+                  <a:schemeClr val="bg1">
+                    <a:lumMod val="50000"/>
+                  </a:schemeClr>
+                </a:solidFill>
+                <a:latin typeface="Verdana" panose="020B0604030504040204" pitchFamily="34" charset="0"/>
+                <a:ea typeface="Verdana" panose="020B0604030504040204" pitchFamily="34" charset="0"/>
+              </a:rPr>
+              <a:t> </a:t>
+            </a:r>
+            <a:r>
+              <a:rPr lang="nl-NL" sz="1600" dirty="0" err="1">
+                <a:solidFill>
+                  <a:schemeClr val="bg1">
+                    <a:lumMod val="50000"/>
+                  </a:schemeClr>
+                </a:solidFill>
+                <a:latin typeface="Verdana" panose="020B0604030504040204" pitchFamily="34" charset="0"/>
+                <a:ea typeface="Verdana" panose="020B0604030504040204" pitchFamily="34" charset="0"/>
+              </a:rPr>
+              <a:t>lowest</a:t>
+            </a:r>
+            <a:r>
+              <a:rPr lang="nl-NL" sz="1600" dirty="0">
+                <a:solidFill>
+                  <a:schemeClr val="bg1">
+                    <a:lumMod val="50000"/>
+                  </a:schemeClr>
+                </a:solidFill>
+                <a:latin typeface="Verdana" panose="020B0604030504040204" pitchFamily="34" charset="0"/>
+                <a:ea typeface="Verdana" panose="020B0604030504040204" pitchFamily="34" charset="0"/>
+              </a:rPr>
+              <a:t> </a:t>
+            </a:r>
+            <a:r>
+              <a:rPr lang="nl-NL" sz="1600" dirty="0" err="1">
+                <a:solidFill>
+                  <a:schemeClr val="bg1">
+                    <a:lumMod val="50000"/>
+                  </a:schemeClr>
+                </a:solidFill>
+                <a:latin typeface="Verdana" panose="020B0604030504040204" pitchFamily="34" charset="0"/>
+                <a:ea typeface="Verdana" panose="020B0604030504040204" pitchFamily="34" charset="0"/>
+              </a:rPr>
+              <a:t>income</a:t>
+            </a:r>
+            <a:r>
+              <a:rPr lang="nl-NL" sz="1600" dirty="0">
+                <a:solidFill>
+                  <a:schemeClr val="bg1">
+                    <a:lumMod val="50000"/>
+                  </a:schemeClr>
+                </a:solidFill>
+                <a:latin typeface="Verdana" panose="020B0604030504040204" pitchFamily="34" charset="0"/>
+                <a:ea typeface="Verdana" panose="020B0604030504040204" pitchFamily="34" charset="0"/>
+              </a:rPr>
+              <a:t> </a:t>
+            </a:r>
+            <a:r>
+              <a:rPr lang="nl-NL" sz="1600" dirty="0" err="1">
+                <a:solidFill>
+                  <a:schemeClr val="bg1">
+                    <a:lumMod val="50000"/>
+                  </a:schemeClr>
+                </a:solidFill>
+                <a:latin typeface="Verdana" panose="020B0604030504040204" pitchFamily="34" charset="0"/>
+                <a:ea typeface="Verdana" panose="020B0604030504040204" pitchFamily="34" charset="0"/>
+              </a:rPr>
+              <a:t>group</a:t>
+            </a:r>
+            <a:r>
+              <a:rPr lang="en-GB" sz="1600" dirty="0">
+                <a:solidFill>
+                  <a:schemeClr val="bg1">
+                    <a:lumMod val="50000"/>
+                  </a:schemeClr>
+                </a:solidFill>
+                <a:latin typeface="Verdana" panose="020B0604030504040204" pitchFamily="34" charset="0"/>
+                <a:ea typeface="Verdana" panose="020B0604030504040204" pitchFamily="34" charset="0"/>
+              </a:rPr>
+              <a:t>.</a:t>
+            </a:r>
+            <a:endParaRPr lang="nl-NL" sz="1600" dirty="0">
+              <a:solidFill>
+                <a:schemeClr val="bg1">
+                  <a:lumMod val="50000"/>
                 </a:schemeClr>
               </a:solidFill>
               <a:latin typeface="Verdana" panose="020B0604030504040204" pitchFamily="34" charset="0"/>
